--- a/LENDING CLUB.pptx
+++ b/LENDING CLUB.pptx
@@ -6883,7 +6883,12 @@
             <p:ph type="title"/>
           </p:nvPr>
         </p:nvSpPr>
-        <p:spPr/>
+        <p:spPr>
+          <a:xfrm>
+            <a:off x="838200" y="365125"/>
+            <a:ext cx="10515600" cy="1325563"/>
+          </a:xfrm>
+        </p:spPr>
         <p:txBody>
           <a:bodyPr/>
           <a:lstStyle/>
@@ -7088,6 +7093,92 @@
           </a:prstGeom>
         </p:spPr>
       </p:pic>
+      <p:sp>
+        <p:nvSpPr>
+          <p:cNvPr id="9" name="Rectangle: Rounded Corners 8">
+            <a:extLst>
+              <a:ext uri="{FF2B5EF4-FFF2-40B4-BE49-F238E27FC236}">
+                <a16:creationId xmlns:a16="http://schemas.microsoft.com/office/drawing/2014/main" id="{1561EDA9-C953-4ED0-B7C1-A138D6B0F978}"/>
+              </a:ext>
+            </a:extLst>
+          </p:cNvPr>
+          <p:cNvSpPr/>
+          <p:nvPr/>
+        </p:nvSpPr>
+        <p:spPr>
+          <a:xfrm>
+            <a:off x="2741356" y="1472828"/>
+            <a:ext cx="6135358" cy="773724"/>
+          </a:xfrm>
+          <a:prstGeom prst="roundRect">
+            <a:avLst/>
+          </a:prstGeom>
+          <a:noFill/>
+        </p:spPr>
+        <p:style>
+          <a:lnRef idx="2">
+            <a:schemeClr val="accent1">
+              <a:shade val="50000"/>
+            </a:schemeClr>
+          </a:lnRef>
+          <a:fillRef idx="1">
+            <a:schemeClr val="accent1"/>
+          </a:fillRef>
+          <a:effectRef idx="0">
+            <a:schemeClr val="accent1"/>
+          </a:effectRef>
+          <a:fontRef idx="minor">
+            <a:schemeClr val="lt1"/>
+          </a:fontRef>
+        </p:style>
+        <p:txBody>
+          <a:bodyPr rtlCol="0" anchor="ctr"/>
+          <a:lstStyle/>
+          <a:p>
+            <a:pPr algn="ctr"/>
+            <a:endParaRPr lang="en-US"/>
+          </a:p>
+        </p:txBody>
+      </p:sp>
+      <p:sp>
+        <p:nvSpPr>
+          <p:cNvPr id="10" name="TextBox 9">
+            <a:extLst>
+              <a:ext uri="{FF2B5EF4-FFF2-40B4-BE49-F238E27FC236}">
+                <a16:creationId xmlns:a16="http://schemas.microsoft.com/office/drawing/2014/main" id="{A0EA3CBB-1687-491C-BDF7-14595A675990}"/>
+              </a:ext>
+            </a:extLst>
+          </p:cNvPr>
+          <p:cNvSpPr txBox="1"/>
+          <p:nvPr/>
+        </p:nvSpPr>
+        <p:spPr>
+          <a:xfrm>
+            <a:off x="3579305" y="1628857"/>
+            <a:ext cx="4459459" cy="461665"/>
+          </a:xfrm>
+          <a:prstGeom prst="rect">
+            <a:avLst/>
+          </a:prstGeom>
+          <a:noFill/>
+        </p:spPr>
+        <p:txBody>
+          <a:bodyPr wrap="square" rtlCol="0">
+            <a:spAutoFit/>
+          </a:bodyPr>
+          <a:lstStyle/>
+          <a:p>
+            <a:pPr algn="ctr"/>
+            <a:r>
+              <a:rPr lang="en-US" sz="2400" dirty="0">
+                <a:latin typeface="Arial" panose="020B0604020202020204" pitchFamily="34" charset="0"/>
+                <a:cs typeface="Arial" panose="020B0604020202020204" pitchFamily="34" charset="0"/>
+              </a:rPr>
+              <a:t>RECESSION FACTOR</a:t>
+            </a:r>
+          </a:p>
+        </p:txBody>
+      </p:sp>
     </p:spTree>
     <p:extLst>
       <p:ext uri="{BB962C8B-B14F-4D97-AF65-F5344CB8AC3E}">
@@ -8414,36 +8505,6 @@
           </a:p>
         </p:txBody>
       </p:sp>
-      <p:pic>
-        <p:nvPicPr>
-          <p:cNvPr id="8" name="Picture 7">
-            <a:extLst>
-              <a:ext uri="{FF2B5EF4-FFF2-40B4-BE49-F238E27FC236}">
-                <a16:creationId xmlns:a16="http://schemas.microsoft.com/office/drawing/2014/main" id="{59C02506-62A7-4F04-9E31-48DBC9CB30EB}"/>
-              </a:ext>
-            </a:extLst>
-          </p:cNvPr>
-          <p:cNvPicPr>
-            <a:picLocks noChangeAspect="1"/>
-          </p:cNvPicPr>
-          <p:nvPr/>
-        </p:nvPicPr>
-        <p:blipFill>
-          <a:blip r:embed="rId2"/>
-          <a:stretch>
-            <a:fillRect/>
-          </a:stretch>
-        </p:blipFill>
-        <p:spPr>
-          <a:xfrm>
-            <a:off x="8005518" y="4019605"/>
-            <a:ext cx="4198730" cy="2854163"/>
-          </a:xfrm>
-          <a:prstGeom prst="rect">
-            <a:avLst/>
-          </a:prstGeom>
-        </p:spPr>
-      </p:pic>
       <p:sp>
         <p:nvSpPr>
           <p:cNvPr id="9" name="Rectangle: Rounded Corners 8">
@@ -8505,8 +8566,8 @@
         </p:nvSpPr>
         <p:spPr>
           <a:xfrm>
-            <a:off x="251898" y="4268619"/>
-            <a:ext cx="6453701" cy="2308324"/>
+            <a:off x="251899" y="4376033"/>
+            <a:ext cx="6453701" cy="2031325"/>
           </a:xfrm>
           <a:prstGeom prst="rect">
             <a:avLst/>
@@ -8525,7 +8586,7 @@
                 <a:latin typeface="Arial" panose="020B0604020202020204" pitchFamily="34" charset="0"/>
                 <a:cs typeface="Arial" panose="020B0604020202020204" pitchFamily="34" charset="0"/>
               </a:rPr>
-              <a:t>Analysis with respect to Loan Amounts</a:t>
+              <a:t>Analysis with respect to Interest Rate</a:t>
             </a:r>
             <a:endParaRPr lang="en-US" dirty="0">
               <a:effectLst/>
@@ -8544,22 +8605,37 @@
                 <a:latin typeface="Arial" panose="020B0604020202020204" pitchFamily="34" charset="0"/>
                 <a:cs typeface="Arial" panose="020B0604020202020204" pitchFamily="34" charset="0"/>
               </a:rPr>
-              <a:t>Most of the loans provided are approximately between 5k to 15k.</a:t>
-            </a:r>
-          </a:p>
-          <a:p>
-            <a:pPr rtl="0">
-              <a:buFont typeface="Arial" panose="020B0604020202020204" pitchFamily="34" charset="0"/>
-              <a:buChar char="•"/>
-            </a:pPr>
+              <a:t>~ </a:t>
+            </a:r>
+            <a:r>
+              <a:rPr lang="en-US" b="1" dirty="0">
+                <a:effectLst/>
+                <a:latin typeface="Arial" panose="020B0604020202020204" pitchFamily="34" charset="0"/>
+                <a:cs typeface="Arial" panose="020B0604020202020204" pitchFamily="34" charset="0"/>
+              </a:rPr>
+              <a:t>low</a:t>
+            </a:r>
             <a:r>
               <a:rPr lang="en-US" dirty="0">
                 <a:effectLst/>
                 <a:latin typeface="Arial" panose="020B0604020202020204" pitchFamily="34" charset="0"/>
                 <a:cs typeface="Arial" panose="020B0604020202020204" pitchFamily="34" charset="0"/>
               </a:rPr>
-              <a:t>~13% of the loans lent in this range tend to default.</a:t>
-            </a:r>
+              <a:t> ~6% default when interest rate is </a:t>
+            </a:r>
+            <a:r>
+              <a:rPr lang="en-US" b="1" dirty="0">
+                <a:effectLst/>
+                <a:latin typeface="Arial" panose="020B0604020202020204" pitchFamily="34" charset="0"/>
+                <a:cs typeface="Arial" panose="020B0604020202020204" pitchFamily="34" charset="0"/>
+              </a:rPr>
+              <a:t>less than 10%.</a:t>
+            </a:r>
+            <a:endParaRPr lang="en-US" dirty="0">
+              <a:effectLst/>
+              <a:latin typeface="Arial" panose="020B0604020202020204" pitchFamily="34" charset="0"/>
+              <a:cs typeface="Arial" panose="020B0604020202020204" pitchFamily="34" charset="0"/>
+            </a:endParaRPr>
           </a:p>
           <a:p>
             <a:pPr rtl="0">
@@ -8572,21 +8648,90 @@
                 <a:latin typeface="Arial" panose="020B0604020202020204" pitchFamily="34" charset="0"/>
                 <a:cs typeface="Arial" panose="020B0604020202020204" pitchFamily="34" charset="0"/>
               </a:rPr>
-              <a:t>~18% of the customer who borrow more than 15k tend to default.</a:t>
-            </a:r>
-          </a:p>
-          <a:p>
-            <a:pPr rtl="0">
-              <a:buFont typeface="Arial" panose="020B0604020202020204" pitchFamily="34" charset="0"/>
-              <a:buChar char="•"/>
-            </a:pPr>
+              <a:t>~ </a:t>
+            </a:r>
+            <a:r>
+              <a:rPr lang="en-US" b="1" dirty="0">
+                <a:effectLst/>
+                <a:latin typeface="Arial" panose="020B0604020202020204" pitchFamily="34" charset="0"/>
+                <a:cs typeface="Arial" panose="020B0604020202020204" pitchFamily="34" charset="0"/>
+              </a:rPr>
+              <a:t>Medium</a:t>
+            </a:r>
             <a:r>
               <a:rPr lang="en-US" dirty="0">
                 <a:effectLst/>
                 <a:latin typeface="Arial" panose="020B0604020202020204" pitchFamily="34" charset="0"/>
                 <a:cs typeface="Arial" panose="020B0604020202020204" pitchFamily="34" charset="0"/>
               </a:rPr>
-              <a:t>~15% of the customer who borrow less than or eq to 5k tend to default.</a:t>
+              <a:t> ~15% default when interest rate is </a:t>
+            </a:r>
+            <a:r>
+              <a:rPr lang="en-US" b="1" dirty="0">
+                <a:effectLst/>
+                <a:latin typeface="Arial" panose="020B0604020202020204" pitchFamily="34" charset="0"/>
+                <a:cs typeface="Arial" panose="020B0604020202020204" pitchFamily="34" charset="0"/>
+              </a:rPr>
+              <a:t>between 10% to 15%.</a:t>
+            </a:r>
+            <a:endParaRPr lang="en-US" dirty="0">
+              <a:effectLst/>
+              <a:latin typeface="Arial" panose="020B0604020202020204" pitchFamily="34" charset="0"/>
+              <a:cs typeface="Arial" panose="020B0604020202020204" pitchFamily="34" charset="0"/>
+            </a:endParaRPr>
+          </a:p>
+          <a:p>
+            <a:pPr rtl="0">
+              <a:buFont typeface="Arial" panose="020B0604020202020204" pitchFamily="34" charset="0"/>
+              <a:buChar char="•"/>
+            </a:pPr>
+            <a:r>
+              <a:rPr lang="en-US" dirty="0">
+                <a:effectLst/>
+                <a:latin typeface="Arial" panose="020B0604020202020204" pitchFamily="34" charset="0"/>
+                <a:cs typeface="Arial" panose="020B0604020202020204" pitchFamily="34" charset="0"/>
+              </a:rPr>
+              <a:t>~ </a:t>
+            </a:r>
+            <a:r>
+              <a:rPr lang="en-US" b="1" dirty="0">
+                <a:effectLst/>
+                <a:latin typeface="Arial" panose="020B0604020202020204" pitchFamily="34" charset="0"/>
+                <a:cs typeface="Arial" panose="020B0604020202020204" pitchFamily="34" charset="0"/>
+              </a:rPr>
+              <a:t>High</a:t>
+            </a:r>
+            <a:r>
+              <a:rPr lang="en-US" dirty="0">
+                <a:effectLst/>
+                <a:latin typeface="Arial" panose="020B0604020202020204" pitchFamily="34" charset="0"/>
+                <a:cs typeface="Arial" panose="020B0604020202020204" pitchFamily="34" charset="0"/>
+              </a:rPr>
+              <a:t> ~26% default when interest rate is </a:t>
+            </a:r>
+            <a:r>
+              <a:rPr lang="en-US" b="1" dirty="0">
+                <a:effectLst/>
+                <a:latin typeface="Arial" panose="020B0604020202020204" pitchFamily="34" charset="0"/>
+                <a:cs typeface="Arial" panose="020B0604020202020204" pitchFamily="34" charset="0"/>
+              </a:rPr>
+              <a:t>above 15%.</a:t>
+            </a:r>
+            <a:endParaRPr lang="en-US" dirty="0">
+              <a:effectLst/>
+              <a:latin typeface="Arial" panose="020B0604020202020204" pitchFamily="34" charset="0"/>
+              <a:cs typeface="Arial" panose="020B0604020202020204" pitchFamily="34" charset="0"/>
+            </a:endParaRPr>
+          </a:p>
+          <a:p>
+            <a:pPr rtl="0"/>
+            <a:r>
+              <a:rPr lang="en-US" dirty="0">
+                <a:effectLst/>
+                <a:latin typeface="Arial" panose="020B0604020202020204" pitchFamily="34" charset="0"/>
+                <a:cs typeface="Arial" panose="020B0604020202020204" pitchFamily="34" charset="0"/>
+              </a:rPr>
+              <a:t>Interest Rate and Tendency to Default are directly proportional. As one increases, other increases as well.</a:t>
             </a:r>
           </a:p>
         </p:txBody>
@@ -8658,7 +8803,7 @@
           <p:nvPr/>
         </p:nvPicPr>
         <p:blipFill>
-          <a:blip r:embed="rId3"/>
+          <a:blip r:embed="rId2"/>
           <a:stretch>
             <a:fillRect/>
           </a:stretch>
@@ -8667,6 +8812,42 @@
           <a:xfrm>
             <a:off x="240988" y="1690688"/>
             <a:ext cx="3564446" cy="2328917"/>
+          </a:xfrm>
+          <a:prstGeom prst="rect">
+            <a:avLst/>
+          </a:prstGeom>
+        </p:spPr>
+      </p:pic>
+      <p:pic>
+        <p:nvPicPr>
+          <p:cNvPr id="13" name="Picture 12" descr="Chart, box and whisker chart&#10;&#10;Description automatically generated">
+            <a:extLst>
+              <a:ext uri="{FF2B5EF4-FFF2-40B4-BE49-F238E27FC236}">
+                <a16:creationId xmlns:a16="http://schemas.microsoft.com/office/drawing/2014/main" id="{6889973B-85A5-4B0B-9DDC-E5825AE6A435}"/>
+              </a:ext>
+            </a:extLst>
+          </p:cNvPr>
+          <p:cNvPicPr>
+            <a:picLocks noChangeAspect="1"/>
+          </p:cNvPicPr>
+          <p:nvPr/>
+        </p:nvPicPr>
+        <p:blipFill>
+          <a:blip r:embed="rId3">
+            <a:extLst>
+              <a:ext uri="{28A0092B-C50C-407E-A947-70E740481C1C}">
+                <a14:useLocalDpi xmlns:a14="http://schemas.microsoft.com/office/drawing/2010/main" val="0"/>
+              </a:ext>
+            </a:extLst>
+          </a:blip>
+          <a:stretch>
+            <a:fillRect/>
+          </a:stretch>
+        </p:blipFill>
+        <p:spPr>
+          <a:xfrm>
+            <a:off x="8005517" y="4085023"/>
+            <a:ext cx="3743325" cy="2505075"/>
           </a:xfrm>
           <a:prstGeom prst="rect">
             <a:avLst/>
@@ -8733,10 +8914,10 @@
       </p:sp>
       <p:sp>
         <p:nvSpPr>
-          <p:cNvPr id="6" name="Rectangle: Rounded Corners 5">
+          <p:cNvPr id="9" name="Rectangle: Rounded Corners 8">
             <a:extLst>
               <a:ext uri="{FF2B5EF4-FFF2-40B4-BE49-F238E27FC236}">
-                <a16:creationId xmlns:a16="http://schemas.microsoft.com/office/drawing/2014/main" id="{E7F203B3-1A98-4114-826A-405B863512E0}"/>
+                <a16:creationId xmlns:a16="http://schemas.microsoft.com/office/drawing/2014/main" id="{522E37AC-E18F-4064-9D23-741B9B384A61}"/>
               </a:ext>
             </a:extLst>
           </p:cNvPr>
@@ -8745,8 +8926,8 @@
         </p:nvSpPr>
         <p:spPr>
           <a:xfrm>
-            <a:off x="5068763" y="1894899"/>
-            <a:ext cx="6873855" cy="1451830"/>
+            <a:off x="104211" y="1391314"/>
+            <a:ext cx="6704191" cy="2452683"/>
           </a:xfrm>
           <a:prstGeom prst="roundRect">
             <a:avLst/>
@@ -8780,146 +8961,6 @@
       </p:sp>
       <p:sp>
         <p:nvSpPr>
-          <p:cNvPr id="7" name="TextBox 6">
-            <a:extLst>
-              <a:ext uri="{FF2B5EF4-FFF2-40B4-BE49-F238E27FC236}">
-                <a16:creationId xmlns:a16="http://schemas.microsoft.com/office/drawing/2014/main" id="{0D14A06A-1BDA-4332-8C0A-DCA68A907415}"/>
-              </a:ext>
-            </a:extLst>
-          </p:cNvPr>
-          <p:cNvSpPr txBox="1"/>
-          <p:nvPr/>
-        </p:nvSpPr>
-        <p:spPr>
-          <a:xfrm>
-            <a:off x="5068762" y="1989478"/>
-            <a:ext cx="6873855" cy="1323439"/>
-          </a:xfrm>
-          <a:prstGeom prst="rect">
-            <a:avLst/>
-          </a:prstGeom>
-          <a:noFill/>
-        </p:spPr>
-        <p:txBody>
-          <a:bodyPr wrap="square" rtlCol="0">
-            <a:spAutoFit/>
-          </a:bodyPr>
-          <a:lstStyle/>
-          <a:p>
-            <a:pPr rtl="0"/>
-            <a:r>
-              <a:rPr lang="en-US" sz="2000" dirty="0">
-                <a:latin typeface="Arial" panose="020B0604020202020204" pitchFamily="34" charset="0"/>
-                <a:cs typeface="Arial" panose="020B0604020202020204" pitchFamily="34" charset="0"/>
-              </a:rPr>
-              <a:t>Analyze DTI:</a:t>
-            </a:r>
-            <a:endParaRPr lang="en-US" sz="2000" dirty="0">
-              <a:effectLst/>
-              <a:latin typeface="Arial" panose="020B0604020202020204" pitchFamily="34" charset="0"/>
-              <a:cs typeface="Arial" panose="020B0604020202020204" pitchFamily="34" charset="0"/>
-            </a:endParaRPr>
-          </a:p>
-          <a:p>
-            <a:pPr rtl="0"/>
-            <a:r>
-              <a:rPr lang="en-US" sz="2000" dirty="0">
-                <a:effectLst/>
-                <a:latin typeface="Arial" panose="020B0604020202020204" pitchFamily="34" charset="0"/>
-                <a:cs typeface="Arial" panose="020B0604020202020204" pitchFamily="34" charset="0"/>
-              </a:rPr>
-              <a:t>After Creating buckets for DTI ranging from 0-10, 10 to 20 and 20 - 30 and plot against default rate it is observed that </a:t>
-            </a:r>
-            <a:r>
-              <a:rPr lang="en-US" sz="2000" b="1" dirty="0">
-                <a:effectLst/>
-                <a:latin typeface="Arial" panose="020B0604020202020204" pitchFamily="34" charset="0"/>
-                <a:cs typeface="Arial" panose="020B0604020202020204" pitchFamily="34" charset="0"/>
-              </a:rPr>
-              <a:t>as DTI increases, the tendency to default increases</a:t>
-            </a:r>
-          </a:p>
-        </p:txBody>
-      </p:sp>
-      <p:pic>
-        <p:nvPicPr>
-          <p:cNvPr id="8" name="Picture 7">
-            <a:extLst>
-              <a:ext uri="{FF2B5EF4-FFF2-40B4-BE49-F238E27FC236}">
-                <a16:creationId xmlns:a16="http://schemas.microsoft.com/office/drawing/2014/main" id="{59C02506-62A7-4F04-9E31-48DBC9CB30EB}"/>
-              </a:ext>
-            </a:extLst>
-          </p:cNvPr>
-          <p:cNvPicPr>
-            <a:picLocks noChangeAspect="1"/>
-          </p:cNvPicPr>
-          <p:nvPr/>
-        </p:nvPicPr>
-        <p:blipFill>
-          <a:blip r:embed="rId2"/>
-          <a:stretch>
-            <a:fillRect/>
-          </a:stretch>
-        </p:blipFill>
-        <p:spPr>
-          <a:xfrm>
-            <a:off x="8005518" y="4019605"/>
-            <a:ext cx="4198730" cy="2854163"/>
-          </a:xfrm>
-          <a:prstGeom prst="rect">
-            <a:avLst/>
-          </a:prstGeom>
-        </p:spPr>
-      </p:pic>
-      <p:sp>
-        <p:nvSpPr>
-          <p:cNvPr id="9" name="Rectangle: Rounded Corners 8">
-            <a:extLst>
-              <a:ext uri="{FF2B5EF4-FFF2-40B4-BE49-F238E27FC236}">
-                <a16:creationId xmlns:a16="http://schemas.microsoft.com/office/drawing/2014/main" id="{522E37AC-E18F-4064-9D23-741B9B384A61}"/>
-              </a:ext>
-            </a:extLst>
-          </p:cNvPr>
-          <p:cNvSpPr/>
-          <p:nvPr/>
-        </p:nvSpPr>
-        <p:spPr>
-          <a:xfrm>
-            <a:off x="220672" y="4188980"/>
-            <a:ext cx="6484928" cy="2452683"/>
-          </a:xfrm>
-          <a:prstGeom prst="roundRect">
-            <a:avLst/>
-          </a:prstGeom>
-          <a:noFill/>
-        </p:spPr>
-        <p:style>
-          <a:lnRef idx="2">
-            <a:schemeClr val="accent1">
-              <a:shade val="50000"/>
-            </a:schemeClr>
-          </a:lnRef>
-          <a:fillRef idx="1">
-            <a:schemeClr val="accent1"/>
-          </a:fillRef>
-          <a:effectRef idx="0">
-            <a:schemeClr val="accent1"/>
-          </a:effectRef>
-          <a:fontRef idx="minor">
-            <a:schemeClr val="lt1"/>
-          </a:fontRef>
-        </p:style>
-        <p:txBody>
-          <a:bodyPr rtlCol="0" anchor="ctr"/>
-          <a:lstStyle/>
-          <a:p>
-            <a:pPr algn="ctr"/>
-            <a:endParaRPr lang="en-US"/>
-          </a:p>
-        </p:txBody>
-      </p:sp>
-      <p:sp>
-        <p:nvSpPr>
           <p:cNvPr id="10" name="TextBox 9">
             <a:extLst>
               <a:ext uri="{FF2B5EF4-FFF2-40B4-BE49-F238E27FC236}">
@@ -8932,8 +8973,8 @@
         </p:nvSpPr>
         <p:spPr>
           <a:xfrm>
-            <a:off x="251898" y="4268619"/>
-            <a:ext cx="6453701" cy="2308324"/>
+            <a:off x="303305" y="1372577"/>
+            <a:ext cx="6672963" cy="2554545"/>
           </a:xfrm>
           <a:prstGeom prst="rect">
             <a:avLst/>
@@ -8948,30 +8989,41 @@
           <a:p>
             <a:pPr rtl="0"/>
             <a:r>
-              <a:rPr lang="en-US" dirty="0">
+              <a:rPr lang="en-US" sz="1600" dirty="0">
                 <a:latin typeface="Arial" panose="020B0604020202020204" pitchFamily="34" charset="0"/>
                 <a:cs typeface="Arial" panose="020B0604020202020204" pitchFamily="34" charset="0"/>
               </a:rPr>
-              <a:t>Analysis with respect to Loan Amounts</a:t>
-            </a:r>
-            <a:endParaRPr lang="en-US" dirty="0">
+              <a:t>Analysis with respect to Annual Income</a:t>
+            </a:r>
+            <a:endParaRPr lang="en-US" sz="1600" dirty="0">
               <a:effectLst/>
               <a:latin typeface="Arial" panose="020B0604020202020204" pitchFamily="34" charset="0"/>
               <a:cs typeface="Arial" panose="020B0604020202020204" pitchFamily="34" charset="0"/>
             </a:endParaRPr>
           </a:p>
           <a:p>
+            <a:pPr rtl="0"/>
+            <a:r>
+              <a:rPr lang="en-US" sz="1600" dirty="0">
+                <a:effectLst/>
+                <a:latin typeface="Arial" panose="020B0604020202020204" pitchFamily="34" charset="0"/>
+                <a:cs typeface="Arial" panose="020B0604020202020204" pitchFamily="34" charset="0"/>
+              </a:rPr>
+              <a:t>As income increases, the chances of customer defaulting decreases.</a:t>
+            </a:r>
+          </a:p>
+          <a:p>
             <a:pPr rtl="0">
               <a:buFont typeface="Arial" panose="020B0604020202020204" pitchFamily="34" charset="0"/>
               <a:buChar char="•"/>
             </a:pPr>
             <a:r>
-              <a:rPr lang="en-US" dirty="0">
+              <a:rPr lang="en-US" sz="1600" dirty="0">
                 <a:effectLst/>
                 <a:latin typeface="Arial" panose="020B0604020202020204" pitchFamily="34" charset="0"/>
                 <a:cs typeface="Arial" panose="020B0604020202020204" pitchFamily="34" charset="0"/>
               </a:rPr>
-              <a:t>Most of the loans provided are approximately between 5k to 15k.</a:t>
+              <a:t>~17% of customers with annual income of less than USD 50k tend to default.</a:t>
             </a:r>
           </a:p>
           <a:p>
@@ -8980,12 +9032,12 @@
               <a:buChar char="•"/>
             </a:pPr>
             <a:r>
-              <a:rPr lang="en-US" dirty="0">
+              <a:rPr lang="en-US" sz="1600" dirty="0">
                 <a:effectLst/>
                 <a:latin typeface="Arial" panose="020B0604020202020204" pitchFamily="34" charset="0"/>
                 <a:cs typeface="Arial" panose="020B0604020202020204" pitchFamily="34" charset="0"/>
               </a:rPr>
-              <a:t>~13% of the loans lent in this range tend to default.</a:t>
+              <a:t>~13% of customers with annual income between USD 50k to USD 100k tend to default.</a:t>
             </a:r>
           </a:p>
           <a:p>
@@ -8994,12 +9046,12 @@
               <a:buChar char="•"/>
             </a:pPr>
             <a:r>
-              <a:rPr lang="en-US" dirty="0">
+              <a:rPr lang="en-US" sz="1600" dirty="0">
                 <a:effectLst/>
                 <a:latin typeface="Arial" panose="020B0604020202020204" pitchFamily="34" charset="0"/>
                 <a:cs typeface="Arial" panose="020B0604020202020204" pitchFamily="34" charset="0"/>
               </a:rPr>
-              <a:t>~18% of the customer who borrow more than 15k tend to default.</a:t>
+              <a:t>~10% of customers with annual income between USD 100k to USD 200k tend to default.</a:t>
             </a:r>
           </a:p>
           <a:p>
@@ -9008,12 +9060,12 @@
               <a:buChar char="•"/>
             </a:pPr>
             <a:r>
-              <a:rPr lang="en-US" dirty="0">
+              <a:rPr lang="en-US" sz="1600" dirty="0">
                 <a:effectLst/>
                 <a:latin typeface="Arial" panose="020B0604020202020204" pitchFamily="34" charset="0"/>
                 <a:cs typeface="Arial" panose="020B0604020202020204" pitchFamily="34" charset="0"/>
               </a:rPr>
-              <a:t>~15% of the customer who borrow less than or eq to 5k tend to default.</a:t>
+              <a:t>~10% of customers with annual income above USD 200k tend to default.</a:t>
             </a:r>
           </a:p>
         </p:txBody>
@@ -9032,7 +9084,7 @@
         </p:nvSpPr>
         <p:spPr>
           <a:xfrm rot="10800000">
-            <a:off x="6924863" y="4834736"/>
+            <a:off x="6918034" y="2077160"/>
             <a:ext cx="861392" cy="1005649"/>
           </a:xfrm>
           <a:prstGeom prst="stripedRightArrow">
@@ -9070,12 +9122,225 @@
           </a:p>
         </p:txBody>
       </p:sp>
+      <p:grpSp>
+        <p:nvGrpSpPr>
+          <p:cNvPr id="12" name="Group 11">
+            <a:extLst>
+              <a:ext uri="{FF2B5EF4-FFF2-40B4-BE49-F238E27FC236}">
+                <a16:creationId xmlns:a16="http://schemas.microsoft.com/office/drawing/2014/main" id="{E77E04D7-49C6-4E69-83D4-0AF3693F3360}"/>
+              </a:ext>
+            </a:extLst>
+          </p:cNvPr>
+          <p:cNvGrpSpPr/>
+          <p:nvPr/>
+        </p:nvGrpSpPr>
+        <p:grpSpPr>
+          <a:xfrm>
+            <a:off x="197168" y="4256858"/>
+            <a:ext cx="11942618" cy="2601142"/>
+            <a:chOff x="261630" y="1414224"/>
+            <a:chExt cx="11942618" cy="2601142"/>
+          </a:xfrm>
+        </p:grpSpPr>
+        <p:sp>
+          <p:nvSpPr>
+            <p:cNvPr id="6" name="Rectangle: Rounded Corners 5">
+              <a:extLst>
+                <a:ext uri="{FF2B5EF4-FFF2-40B4-BE49-F238E27FC236}">
+                  <a16:creationId xmlns:a16="http://schemas.microsoft.com/office/drawing/2014/main" id="{E7F203B3-1A98-4114-826A-405B863512E0}"/>
+                </a:ext>
+              </a:extLst>
+            </p:cNvPr>
+            <p:cNvSpPr/>
+            <p:nvPr/>
+          </p:nvSpPr>
+          <p:spPr>
+            <a:xfrm>
+              <a:off x="5330393" y="1890660"/>
+              <a:ext cx="6873855" cy="1451830"/>
+            </a:xfrm>
+            <a:prstGeom prst="roundRect">
+              <a:avLst/>
+            </a:prstGeom>
+            <a:noFill/>
+          </p:spPr>
+          <p:style>
+            <a:lnRef idx="2">
+              <a:schemeClr val="accent1">
+                <a:shade val="50000"/>
+              </a:schemeClr>
+            </a:lnRef>
+            <a:fillRef idx="1">
+              <a:schemeClr val="accent1"/>
+            </a:fillRef>
+            <a:effectRef idx="0">
+              <a:schemeClr val="accent1"/>
+            </a:effectRef>
+            <a:fontRef idx="minor">
+              <a:schemeClr val="lt1"/>
+            </a:fontRef>
+          </p:style>
+          <p:txBody>
+            <a:bodyPr rtlCol="0" anchor="ctr"/>
+            <a:lstStyle/>
+            <a:p>
+              <a:pPr algn="ctr"/>
+              <a:endParaRPr lang="en-US"/>
+            </a:p>
+          </p:txBody>
+        </p:sp>
+        <p:sp>
+          <p:nvSpPr>
+            <p:cNvPr id="7" name="TextBox 6">
+              <a:extLst>
+                <a:ext uri="{FF2B5EF4-FFF2-40B4-BE49-F238E27FC236}">
+                  <a16:creationId xmlns:a16="http://schemas.microsoft.com/office/drawing/2014/main" id="{0D14A06A-1BDA-4332-8C0A-DCA68A907415}"/>
+                </a:ext>
+              </a:extLst>
+            </p:cNvPr>
+            <p:cNvSpPr txBox="1"/>
+            <p:nvPr/>
+          </p:nvSpPr>
+          <p:spPr>
+            <a:xfrm>
+              <a:off x="5330392" y="1985239"/>
+              <a:ext cx="6873855" cy="1323439"/>
+            </a:xfrm>
+            <a:prstGeom prst="rect">
+              <a:avLst/>
+            </a:prstGeom>
+            <a:noFill/>
+          </p:spPr>
+          <p:txBody>
+            <a:bodyPr wrap="square" rtlCol="0">
+              <a:spAutoFit/>
+            </a:bodyPr>
+            <a:lstStyle/>
+            <a:p>
+              <a:pPr rtl="0"/>
+              <a:r>
+                <a:rPr lang="en-US" sz="2000" dirty="0">
+                  <a:latin typeface="Arial" panose="020B0604020202020204" pitchFamily="34" charset="0"/>
+                  <a:cs typeface="Arial" panose="020B0604020202020204" pitchFamily="34" charset="0"/>
+                </a:rPr>
+                <a:t>Analyze DTI:</a:t>
+              </a:r>
+              <a:endParaRPr lang="en-US" sz="2000" dirty="0">
+                <a:effectLst/>
+                <a:latin typeface="Arial" panose="020B0604020202020204" pitchFamily="34" charset="0"/>
+                <a:cs typeface="Arial" panose="020B0604020202020204" pitchFamily="34" charset="0"/>
+              </a:endParaRPr>
+            </a:p>
+            <a:p>
+              <a:pPr rtl="0"/>
+              <a:r>
+                <a:rPr lang="en-US" sz="2000" dirty="0">
+                  <a:effectLst/>
+                  <a:latin typeface="Arial" panose="020B0604020202020204" pitchFamily="34" charset="0"/>
+                  <a:cs typeface="Arial" panose="020B0604020202020204" pitchFamily="34" charset="0"/>
+                </a:rPr>
+                <a:t>After Creating buckets for DTI ranging from 0-10, 10 to 20 and 20 - 30 and plot against default rate it is observed that </a:t>
+              </a:r>
+              <a:r>
+                <a:rPr lang="en-US" sz="2000" b="1" dirty="0">
+                  <a:effectLst/>
+                  <a:latin typeface="Arial" panose="020B0604020202020204" pitchFamily="34" charset="0"/>
+                  <a:cs typeface="Arial" panose="020B0604020202020204" pitchFamily="34" charset="0"/>
+                </a:rPr>
+                <a:t>as DTI increases, the tendency to default increases</a:t>
+              </a:r>
+            </a:p>
+          </p:txBody>
+        </p:sp>
+        <p:pic>
+          <p:nvPicPr>
+            <p:cNvPr id="4" name="Picture 3">
+              <a:extLst>
+                <a:ext uri="{FF2B5EF4-FFF2-40B4-BE49-F238E27FC236}">
+                  <a16:creationId xmlns:a16="http://schemas.microsoft.com/office/drawing/2014/main" id="{3030D8AF-C32C-4667-8813-0C46F683D3DE}"/>
+                </a:ext>
+              </a:extLst>
+            </p:cNvPr>
+            <p:cNvPicPr>
+              <a:picLocks noChangeAspect="1"/>
+            </p:cNvPicPr>
+            <p:nvPr/>
+          </p:nvPicPr>
+          <p:blipFill>
+            <a:blip r:embed="rId2"/>
+            <a:stretch>
+              <a:fillRect/>
+            </a:stretch>
+          </p:blipFill>
+          <p:spPr>
+            <a:xfrm>
+              <a:off x="261630" y="1414224"/>
+              <a:ext cx="4080464" cy="2601142"/>
+            </a:xfrm>
+            <a:prstGeom prst="rect">
+              <a:avLst/>
+            </a:prstGeom>
+          </p:spPr>
+        </p:pic>
+        <p:sp>
+          <p:nvSpPr>
+            <p:cNvPr id="5" name="Arrow: Striped Right 4">
+              <a:extLst>
+                <a:ext uri="{FF2B5EF4-FFF2-40B4-BE49-F238E27FC236}">
+                  <a16:creationId xmlns:a16="http://schemas.microsoft.com/office/drawing/2014/main" id="{B2DB5DCA-3FFE-41CB-9766-5E9FE959EB17}"/>
+                </a:ext>
+              </a:extLst>
+            </p:cNvPr>
+            <p:cNvSpPr/>
+            <p:nvPr/>
+          </p:nvSpPr>
+          <p:spPr>
+            <a:xfrm>
+              <a:off x="4266812" y="2197046"/>
+              <a:ext cx="861392" cy="1005649"/>
+            </a:xfrm>
+            <a:prstGeom prst="stripedRightArrow">
+              <a:avLst/>
+            </a:prstGeom>
+            <a:solidFill>
+              <a:schemeClr val="tx2">
+                <a:lumMod val="40000"/>
+                <a:lumOff val="60000"/>
+              </a:schemeClr>
+            </a:solidFill>
+          </p:spPr>
+          <p:style>
+            <a:lnRef idx="2">
+              <a:schemeClr val="accent1">
+                <a:shade val="50000"/>
+              </a:schemeClr>
+            </a:lnRef>
+            <a:fillRef idx="1">
+              <a:schemeClr val="accent1"/>
+            </a:fillRef>
+            <a:effectRef idx="0">
+              <a:schemeClr val="accent1"/>
+            </a:effectRef>
+            <a:fontRef idx="minor">
+              <a:schemeClr val="lt1"/>
+            </a:fontRef>
+          </p:style>
+          <p:txBody>
+            <a:bodyPr rtlCol="0" anchor="ctr"/>
+            <a:lstStyle/>
+            <a:p>
+              <a:pPr algn="ctr"/>
+              <a:endParaRPr lang="en-US"/>
+            </a:p>
+          </p:txBody>
+        </p:sp>
+      </p:grpSp>
       <p:pic>
         <p:nvPicPr>
-          <p:cNvPr id="4" name="Picture 3">
+          <p:cNvPr id="15" name="Picture 14" descr="Chart, bar chart&#10;&#10;Description automatically generated">
             <a:extLst>
               <a:ext uri="{FF2B5EF4-FFF2-40B4-BE49-F238E27FC236}">
-                <a16:creationId xmlns:a16="http://schemas.microsoft.com/office/drawing/2014/main" id="{3030D8AF-C32C-4667-8813-0C46F683D3DE}"/>
+                <a16:creationId xmlns:a16="http://schemas.microsoft.com/office/drawing/2014/main" id="{13CE5AC8-E04F-4A40-909B-74FD4244FDD5}"/>
               </a:ext>
             </a:extLst>
           </p:cNvPr>
@@ -9085,73 +9350,27 @@
           <p:nvPr/>
         </p:nvPicPr>
         <p:blipFill>
-          <a:blip r:embed="rId3"/>
+          <a:blip r:embed="rId3">
+            <a:extLst>
+              <a:ext uri="{28A0092B-C50C-407E-A947-70E740481C1C}">
+                <a14:useLocalDpi xmlns:a14="http://schemas.microsoft.com/office/drawing/2010/main" val="0"/>
+              </a:ext>
+            </a:extLst>
+          </a:blip>
           <a:stretch>
             <a:fillRect/>
           </a:stretch>
         </p:blipFill>
         <p:spPr>
           <a:xfrm>
-            <a:off x="0" y="1418463"/>
-            <a:ext cx="4080464" cy="2601142"/>
+            <a:off x="7889058" y="1372577"/>
+            <a:ext cx="3800475" cy="2505075"/>
           </a:xfrm>
           <a:prstGeom prst="rect">
             <a:avLst/>
           </a:prstGeom>
         </p:spPr>
       </p:pic>
-      <p:sp>
-        <p:nvSpPr>
-          <p:cNvPr id="5" name="Arrow: Striped Right 4">
-            <a:extLst>
-              <a:ext uri="{FF2B5EF4-FFF2-40B4-BE49-F238E27FC236}">
-                <a16:creationId xmlns:a16="http://schemas.microsoft.com/office/drawing/2014/main" id="{B2DB5DCA-3FFE-41CB-9766-5E9FE959EB17}"/>
-              </a:ext>
-            </a:extLst>
-          </p:cNvPr>
-          <p:cNvSpPr/>
-          <p:nvPr/>
-        </p:nvSpPr>
-        <p:spPr>
-          <a:xfrm>
-            <a:off x="4005182" y="2201285"/>
-            <a:ext cx="861392" cy="1005649"/>
-          </a:xfrm>
-          <a:prstGeom prst="stripedRightArrow">
-            <a:avLst/>
-          </a:prstGeom>
-          <a:solidFill>
-            <a:schemeClr val="tx2">
-              <a:lumMod val="40000"/>
-              <a:lumOff val="60000"/>
-            </a:schemeClr>
-          </a:solidFill>
-        </p:spPr>
-        <p:style>
-          <a:lnRef idx="2">
-            <a:schemeClr val="accent1">
-              <a:shade val="50000"/>
-            </a:schemeClr>
-          </a:lnRef>
-          <a:fillRef idx="1">
-            <a:schemeClr val="accent1"/>
-          </a:fillRef>
-          <a:effectRef idx="0">
-            <a:schemeClr val="accent1"/>
-          </a:effectRef>
-          <a:fontRef idx="minor">
-            <a:schemeClr val="lt1"/>
-          </a:fontRef>
-        </p:style>
-        <p:txBody>
-          <a:bodyPr rtlCol="0" anchor="ctr"/>
-          <a:lstStyle/>
-          <a:p>
-            <a:pPr algn="ctr"/>
-            <a:endParaRPr lang="en-US"/>
-          </a:p>
-        </p:txBody>
-      </p:sp>
     </p:spTree>
     <p:extLst>
       <p:ext uri="{BB962C8B-B14F-4D97-AF65-F5344CB8AC3E}">
@@ -9380,7 +9599,7 @@
                 <a:latin typeface="Arial" panose="020B0604020202020204" pitchFamily="34" charset="0"/>
                 <a:cs typeface="Arial" panose="020B0604020202020204" pitchFamily="34" charset="0"/>
               </a:rPr>
-              <a:t>Correlation map:</a:t>
+              <a:t>Correlation map</a:t>
             </a:r>
           </a:p>
           <a:p>
